--- a/Day-09/Day-09-Data-Science-Python.pptx
+++ b/Day-09/Day-09-Data-Science-Python.pptx
@@ -213,7 +213,7 @@
           <a:p>
             <a:fld id="{E1BDF935-9821-4834-9D99-7DEFA719F44D}" type="datetimeFigureOut">
               <a:rPr lang="en-US" smtClean="0"/>
-              <a:t>11/6/2025</a:t>
+              <a:t>11/17/2025</a:t>
             </a:fld>
             <a:endParaRPr lang="en-US"/>
           </a:p>
@@ -2082,7 +2082,7 @@
               <a:t>Data </a:t>
             </a:r>
             <a:r>
-              <a:rPr lang="en-US" sz="4000" b="1" dirty="0">
+              <a:rPr lang="en-US" sz="4000" b="1" dirty="0" smtClean="0">
                 <a:solidFill>
                   <a:schemeClr val="bg1"/>
                 </a:solidFill>
@@ -2090,6 +2090,12 @@
               </a:rPr>
               <a:t>Science</a:t>
             </a:r>
+            <a:endParaRPr lang="en-US" sz="4000" b="1" dirty="0">
+              <a:solidFill>
+                <a:schemeClr val="bg1"/>
+              </a:solidFill>
+              <a:ea typeface="Roboto" pitchFamily="2" charset="0"/>
+            </a:endParaRPr>
           </a:p>
         </p:txBody>
       </p:sp>
@@ -5855,11 +5861,7 @@
             </a:r>
             <a:r>
               <a:rPr lang="en-US" dirty="0" err="1" smtClean="0"/>
-              <a:t>hàn</a:t>
-            </a:r>
-            <a:r>
-              <a:rPr lang="en-US" dirty="0" err="1" smtClean="0"/>
-              <a:t>h</a:t>
+              <a:t>hành</a:t>
             </a:r>
             <a:r>
               <a:rPr lang="en-US" dirty="0" smtClean="0"/>
